--- a/Document/Elevator_ppt_for_modify.pptx
+++ b/Document/Elevator_ppt_for_modify.pptx
@@ -7,10 +7,12 @@
   <p:sldIdLst>
     <p:sldId id="256" r:id="rId2"/>
     <p:sldId id="259" r:id="rId3"/>
-    <p:sldId id="260" r:id="rId4"/>
-    <p:sldId id="262" r:id="rId5"/>
-    <p:sldId id="257" r:id="rId6"/>
-    <p:sldId id="261" r:id="rId7"/>
+    <p:sldId id="263" r:id="rId4"/>
+    <p:sldId id="260" r:id="rId5"/>
+    <p:sldId id="262" r:id="rId6"/>
+    <p:sldId id="257" r:id="rId7"/>
+    <p:sldId id="261" r:id="rId8"/>
+    <p:sldId id="264" r:id="rId9"/>
   </p:sldIdLst>
   <p:sldSz cx="9144000" cy="6858000" type="screen4x3"/>
   <p:notesSz cx="6858000" cy="9144000"/>
@@ -3222,6 +3224,13 @@
   <p:clrMapOvr>
     <a:masterClrMapping/>
   </p:clrMapOvr>
+  <p:timing>
+    <p:tnLst>
+      <p:par>
+        <p:cTn id="1" dur="indefinite" restart="never" nodeType="tmRoot"/>
+      </p:par>
+    </p:tnLst>
+  </p:timing>
 </p:sld>
 </file>
 
@@ -3265,6 +3274,37 @@
           </a:p>
         </p:txBody>
       </p:sp>
+      <p:sp>
+        <p:nvSpPr>
+          <p:cNvPr id="3" name="직사각형 2"/>
+          <p:cNvSpPr/>
+          <p:nvPr/>
+        </p:nvSpPr>
+        <p:spPr>
+          <a:xfrm>
+            <a:off x="2454987" y="2204864"/>
+            <a:ext cx="4536504" cy="461665"/>
+          </a:xfrm>
+          <a:prstGeom prst="rect">
+            <a:avLst/>
+          </a:prstGeom>
+        </p:spPr>
+        <p:txBody>
+          <a:bodyPr wrap="square">
+            <a:spAutoFit/>
+          </a:bodyPr>
+          <a:lstStyle/>
+          <a:p>
+            <a:r>
+              <a:rPr lang="en-US" altLang="ko-KR" sz="2400" dirty="0">
+                <a:hlinkClick r:id="rId2"/>
+              </a:rPr>
+              <a:t>https://youtu.be/MbwQFMftpic</a:t>
+            </a:r>
+            <a:endParaRPr lang="ko-KR" altLang="en-US" sz="2400" dirty="0"/>
+          </a:p>
+        </p:txBody>
+      </p:sp>
     </p:spTree>
     <p:extLst>
       <p:ext uri="{BB962C8B-B14F-4D97-AF65-F5344CB8AC3E}">
@@ -3275,10 +3315,95 @@
   <p:clrMapOvr>
     <a:masterClrMapping/>
   </p:clrMapOvr>
+  <p:timing>
+    <p:tnLst>
+      <p:par>
+        <p:cTn id="1" dur="indefinite" restart="never" nodeType="tmRoot"/>
+      </p:par>
+    </p:tnLst>
+  </p:timing>
 </p:sld>
 </file>
 
 <file path=ppt/slides/slide3.xml><?xml version="1.0" encoding="utf-8"?>
+<p:sld xmlns:a="http://schemas.openxmlformats.org/drawingml/2006/main" xmlns:r="http://schemas.openxmlformats.org/officeDocument/2006/relationships" xmlns:p="http://schemas.openxmlformats.org/presentationml/2006/main">
+  <p:cSld>
+    <p:spTree>
+      <p:nvGrpSpPr>
+        <p:cNvPr id="1" name=""/>
+        <p:cNvGrpSpPr/>
+        <p:nvPr/>
+      </p:nvGrpSpPr>
+      <p:grpSpPr>
+        <a:xfrm>
+          <a:off x="0" y="0"/>
+          <a:ext cx="0" cy="0"/>
+          <a:chOff x="0" y="0"/>
+          <a:chExt cx="0" cy="0"/>
+        </a:xfrm>
+      </p:grpSpPr>
+      <p:pic>
+        <p:nvPicPr>
+          <p:cNvPr id="1027" name="Picture 3" descr="D:\woochangmin\ARM\src\STM32F429ZI\STM32_Elevator\Document\HardwareList.png"/>
+          <p:cNvPicPr>
+            <a:picLocks noChangeAspect="1" noChangeArrowheads="1"/>
+          </p:cNvPicPr>
+          <p:nvPr/>
+        </p:nvPicPr>
+        <p:blipFill>
+          <a:blip r:embed="rId2">
+            <a:extLst>
+              <a:ext uri="{28A0092B-C50C-407E-A947-70E740481C1C}">
+                <a14:useLocalDpi xmlns:a14="http://schemas.microsoft.com/office/drawing/2010/main" val="0"/>
+              </a:ext>
+            </a:extLst>
+          </a:blip>
+          <a:srcRect/>
+          <a:stretch>
+            <a:fillRect/>
+          </a:stretch>
+        </p:blipFill>
+        <p:spPr bwMode="auto">
+          <a:xfrm>
+            <a:off x="23859" y="188640"/>
+            <a:ext cx="9120141" cy="6381328"/>
+          </a:xfrm>
+          <a:prstGeom prst="rect">
+            <a:avLst/>
+          </a:prstGeom>
+          <a:noFill/>
+          <a:extLst>
+            <a:ext uri="{909E8E84-426E-40DD-AFC4-6F175D3DCCD1}">
+              <a14:hiddenFill xmlns:a14="http://schemas.microsoft.com/office/drawing/2010/main">
+                <a:solidFill>
+                  <a:srgbClr val="FFFFFF"/>
+                </a:solidFill>
+              </a14:hiddenFill>
+            </a:ext>
+          </a:extLst>
+        </p:spPr>
+      </p:pic>
+    </p:spTree>
+    <p:extLst>
+      <p:ext uri="{BB962C8B-B14F-4D97-AF65-F5344CB8AC3E}">
+        <p14:creationId xmlns:p14="http://schemas.microsoft.com/office/powerpoint/2010/main" val="3302393694"/>
+      </p:ext>
+    </p:extLst>
+  </p:cSld>
+  <p:clrMapOvr>
+    <a:masterClrMapping/>
+  </p:clrMapOvr>
+  <p:timing>
+    <p:tnLst>
+      <p:par>
+        <p:cTn id="1" dur="indefinite" restart="never" nodeType="tmRoot"/>
+      </p:par>
+    </p:tnLst>
+  </p:timing>
+</p:sld>
+</file>
+
+<file path=ppt/slides/slide4.xml><?xml version="1.0" encoding="utf-8"?>
 <p:sld xmlns:a="http://schemas.openxmlformats.org/drawingml/2006/main" xmlns:r="http://schemas.openxmlformats.org/officeDocument/2006/relationships" xmlns:p="http://schemas.openxmlformats.org/presentationml/2006/main">
   <p:cSld>
     <p:spTree>
@@ -4119,10 +4244,17 @@
   <p:clrMapOvr>
     <a:masterClrMapping/>
   </p:clrMapOvr>
+  <p:timing>
+    <p:tnLst>
+      <p:par>
+        <p:cTn id="1" dur="indefinite" restart="never" nodeType="tmRoot"/>
+      </p:par>
+    </p:tnLst>
+  </p:timing>
 </p:sld>
 </file>
 
-<file path=ppt/slides/slide4.xml><?xml version="1.0" encoding="utf-8"?>
+<file path=ppt/slides/slide5.xml><?xml version="1.0" encoding="utf-8"?>
 <p:sld xmlns:a="http://schemas.openxmlformats.org/drawingml/2006/main" xmlns:r="http://schemas.openxmlformats.org/officeDocument/2006/relationships" xmlns:p="http://schemas.openxmlformats.org/presentationml/2006/main">
   <p:cSld>
     <p:spTree>
@@ -4953,6 +5085,45 @@
           </a:p>
         </p:txBody>
       </p:sp>
+      <p:sp>
+        <p:nvSpPr>
+          <p:cNvPr id="24" name="TextBox 23"/>
+          <p:cNvSpPr txBox="1"/>
+          <p:nvPr/>
+        </p:nvSpPr>
+        <p:spPr>
+          <a:xfrm>
+            <a:off x="1808653" y="5714672"/>
+            <a:ext cx="603107" cy="215444"/>
+          </a:xfrm>
+          <a:prstGeom prst="rect">
+            <a:avLst/>
+          </a:prstGeom>
+          <a:noFill/>
+        </p:spPr>
+        <p:txBody>
+          <a:bodyPr wrap="square" rtlCol="0">
+            <a:spAutoFit/>
+          </a:bodyPr>
+          <a:lstStyle/>
+          <a:p>
+            <a:pPr algn="ctr"/>
+            <a:r>
+              <a:rPr lang="en-US" altLang="ko-KR" sz="800" b="1" dirty="0" smtClean="0">
+                <a:solidFill>
+                  <a:srgbClr val="FF0000"/>
+                </a:solidFill>
+              </a:rPr>
+              <a:t>CDS</a:t>
+            </a:r>
+            <a:endParaRPr lang="ko-KR" altLang="en-US" sz="800" b="1" dirty="0">
+              <a:solidFill>
+                <a:srgbClr val="FF0000"/>
+              </a:solidFill>
+            </a:endParaRPr>
+          </a:p>
+        </p:txBody>
+      </p:sp>
     </p:spTree>
     <p:extLst>
       <p:ext uri="{BB962C8B-B14F-4D97-AF65-F5344CB8AC3E}">
@@ -4966,7 +5137,7 @@
 </p:sld>
 </file>
 
-<file path=ppt/slides/slide5.xml><?xml version="1.0" encoding="utf-8"?>
+<file path=ppt/slides/slide6.xml><?xml version="1.0" encoding="utf-8"?>
 <p:sld xmlns:a="http://schemas.openxmlformats.org/drawingml/2006/main" xmlns:r="http://schemas.openxmlformats.org/officeDocument/2006/relationships" xmlns:p="http://schemas.openxmlformats.org/presentationml/2006/main">
   <p:cSld>
     <p:spTree>
@@ -5707,7 +5878,7 @@
 </p:sld>
 </file>
 
-<file path=ppt/slides/slide6.xml><?xml version="1.0" encoding="utf-8"?>
+<file path=ppt/slides/slide7.xml><?xml version="1.0" encoding="utf-8"?>
 <p:sld xmlns:a="http://schemas.openxmlformats.org/drawingml/2006/main" xmlns:r="http://schemas.openxmlformats.org/officeDocument/2006/relationships" xmlns:p="http://schemas.openxmlformats.org/presentationml/2006/main">
   <p:cSld>
     <p:spTree>
@@ -5798,6 +5969,152 @@
   <p:clrMapOvr>
     <a:masterClrMapping/>
   </p:clrMapOvr>
+</p:sld>
+</file>
+
+<file path=ppt/slides/slide8.xml><?xml version="1.0" encoding="utf-8"?>
+<p:sld xmlns:a="http://schemas.openxmlformats.org/drawingml/2006/main" xmlns:r="http://schemas.openxmlformats.org/officeDocument/2006/relationships" xmlns:p="http://schemas.openxmlformats.org/presentationml/2006/main">
+  <p:cSld>
+    <p:spTree>
+      <p:nvGrpSpPr>
+        <p:cNvPr id="1" name=""/>
+        <p:cNvGrpSpPr/>
+        <p:nvPr/>
+      </p:nvGrpSpPr>
+      <p:grpSpPr>
+        <a:xfrm>
+          <a:off x="0" y="0"/>
+          <a:ext cx="0" cy="0"/>
+          <a:chOff x="0" y="0"/>
+          <a:chExt cx="0" cy="0"/>
+        </a:xfrm>
+      </p:grpSpPr>
+      <p:sp>
+        <p:nvSpPr>
+          <p:cNvPr id="4" name="직사각형 3"/>
+          <p:cNvSpPr/>
+          <p:nvPr/>
+        </p:nvSpPr>
+        <p:spPr>
+          <a:xfrm>
+            <a:off x="0" y="0"/>
+            <a:ext cx="9144000" cy="6858000"/>
+          </a:xfrm>
+          <a:prstGeom prst="rect">
+            <a:avLst/>
+          </a:prstGeom>
+        </p:spPr>
+        <p:style>
+          <a:lnRef idx="2">
+            <a:schemeClr val="accent3">
+              <a:shade val="50000"/>
+            </a:schemeClr>
+          </a:lnRef>
+          <a:fillRef idx="1">
+            <a:schemeClr val="accent3"/>
+          </a:fillRef>
+          <a:effectRef idx="0">
+            <a:schemeClr val="accent3"/>
+          </a:effectRef>
+          <a:fontRef idx="minor">
+            <a:schemeClr val="lt1"/>
+          </a:fontRef>
+        </p:style>
+        <p:txBody>
+          <a:bodyPr rtlCol="0" anchor="ctr"/>
+          <a:lstStyle/>
+          <a:p>
+            <a:pPr algn="ctr"/>
+            <a:endParaRPr lang="ko-KR" altLang="en-US"/>
+          </a:p>
+        </p:txBody>
+      </p:sp>
+      <p:sp>
+        <p:nvSpPr>
+          <p:cNvPr id="2" name="제목 1"/>
+          <p:cNvSpPr>
+            <a:spLocks noGrp="1"/>
+          </p:cNvSpPr>
+          <p:nvPr>
+            <p:ph type="title"/>
+          </p:nvPr>
+        </p:nvSpPr>
+        <p:spPr/>
+        <p:txBody>
+          <a:bodyPr/>
+          <a:lstStyle/>
+          <a:p>
+            <a:r>
+              <a:rPr lang="en-US" altLang="ko-KR" dirty="0" err="1" smtClean="0"/>
+              <a:t>Github</a:t>
+            </a:r>
+            <a:endParaRPr lang="ko-KR" altLang="en-US" dirty="0"/>
+          </a:p>
+        </p:txBody>
+      </p:sp>
+      <p:sp>
+        <p:nvSpPr>
+          <p:cNvPr id="3" name="내용 개체 틀 2"/>
+          <p:cNvSpPr>
+            <a:spLocks noGrp="1"/>
+          </p:cNvSpPr>
+          <p:nvPr>
+            <p:ph idx="1"/>
+          </p:nvPr>
+        </p:nvSpPr>
+        <p:spPr>
+          <a:xfrm>
+            <a:off x="936228" y="2708920"/>
+            <a:ext cx="8229600" cy="2265115"/>
+          </a:xfrm>
+        </p:spPr>
+        <p:txBody>
+          <a:bodyPr>
+            <a:normAutofit/>
+          </a:bodyPr>
+          <a:lstStyle/>
+          <a:p>
+            <a:pPr marL="0" indent="0">
+              <a:buNone/>
+            </a:pPr>
+            <a:r>
+              <a:rPr lang="en-US" altLang="ko-KR" sz="2400" dirty="0">
+                <a:solidFill>
+                  <a:schemeClr val="bg1">
+                    <a:lumMod val="50000"/>
+                  </a:schemeClr>
+                </a:solidFill>
+                <a:hlinkClick r:id="rId2"/>
+              </a:rPr>
+              <a:t>https://github.com/woochang0110/STM32_Elevator</a:t>
+            </a:r>
+            <a:endParaRPr lang="ko-KR" altLang="en-US" sz="2400" dirty="0">
+              <a:solidFill>
+                <a:schemeClr val="bg1">
+                  <a:lumMod val="50000"/>
+                </a:schemeClr>
+              </a:solidFill>
+            </a:endParaRPr>
+          </a:p>
+        </p:txBody>
+      </p:sp>
+    </p:spTree>
+    <p:extLst>
+      <p:ext uri="{BB962C8B-B14F-4D97-AF65-F5344CB8AC3E}">
+        <p14:creationId xmlns:p14="http://schemas.microsoft.com/office/powerpoint/2010/main" val="2389616810"/>
+      </p:ext>
+    </p:extLst>
+  </p:cSld>
+  <p:clrMapOvr>
+    <a:masterClrMapping/>
+  </p:clrMapOvr>
+  <p:timing>
+    <p:tnLst>
+      <p:par>
+        <p:cTn id="1" dur="indefinite" restart="never" nodeType="tmRoot"/>
+      </p:par>
+    </p:tnLst>
+  </p:timing>
 </p:sld>
 </file>
 
